--- a/mhw1.pptx
+++ b/mhw1.pptx
@@ -112,6 +112,11 @@
       </a:defRPr>
     </a:lvl9pPr>
   </p:defaultTextStyle>
+  <p:extLst>
+    <p:ext uri="{EFAFB233-063F-42B5-8137-9DF3F51BA10A}">
+      <p15:sldGuideLst xmlns:p15="http://schemas.microsoft.com/office/powerpoint/2012/main"/>
+    </p:ext>
+  </p:extLst>
 </p:presentation>
 </file>
 
@@ -210,7 +215,7 @@
           <a:effectLst/>
           <a:extLst>
             <a:ext uri="{91240B29-F687-4f45-9708-019B960494DF}">
-              <a14:hiddenLine xmlns:a14="http://schemas.microsoft.com/office/drawing/2010/main" xmlns="" w="9525">
+              <a14:hiddenLine xmlns="" xmlns:a14="http://schemas.microsoft.com/office/drawing/2010/main" w="9525">
                 <a:solidFill>
                   <a:srgbClr val="000000"/>
                 </a:solidFill>
@@ -1720,7 +1725,7 @@
           <a:ln/>
           <a:extLst>
             <a:ext uri="{91240B29-F687-4f45-9708-019B960494DF}">
-              <a14:hiddenLine xmlns:a14="http://schemas.microsoft.com/office/drawing/2010/main" xmlns="" w="9525">
+              <a14:hiddenLine xmlns="" xmlns:a14="http://schemas.microsoft.com/office/drawing/2010/main" w="9525">
                 <a:solidFill>
                   <a:srgbClr val="000000"/>
                 </a:solidFill>
@@ -1992,7 +1997,7 @@
           <a:ln/>
           <a:extLst>
             <a:ext uri="{91240B29-F687-4f45-9708-019B960494DF}">
-              <a14:hiddenLine xmlns:a14="http://schemas.microsoft.com/office/drawing/2010/main" xmlns="" w="9525">
+              <a14:hiddenLine xmlns="" xmlns:a14="http://schemas.microsoft.com/office/drawing/2010/main" w="9525">
                 <a:solidFill>
                   <a:srgbClr val="000000"/>
                 </a:solidFill>
@@ -2272,7 +2277,7 @@
           <a:ln/>
           <a:extLst>
             <a:ext uri="{91240B29-F687-4f45-9708-019B960494DF}">
-              <a14:hiddenLine xmlns:a14="http://schemas.microsoft.com/office/drawing/2010/main" xmlns="" w="9525">
+              <a14:hiddenLine xmlns="" xmlns:a14="http://schemas.microsoft.com/office/drawing/2010/main" w="9525">
                 <a:solidFill>
                   <a:srgbClr val="000000"/>
                 </a:solidFill>
@@ -2892,7 +2897,7 @@
           <a:ln/>
           <a:extLst>
             <a:ext uri="{91240B29-F687-4f45-9708-019B960494DF}">
-              <a14:hiddenLine xmlns:a14="http://schemas.microsoft.com/office/drawing/2010/main" xmlns="" w="9525">
+              <a14:hiddenLine xmlns="" xmlns:a14="http://schemas.microsoft.com/office/drawing/2010/main" w="9525">
                 <a:solidFill>
                   <a:srgbClr val="000000"/>
                 </a:solidFill>
@@ -3228,7 +3233,7 @@
           <a:ln/>
           <a:extLst>
             <a:ext uri="{91240B29-F687-4f45-9708-019B960494DF}">
-              <a14:hiddenLine xmlns:a14="http://schemas.microsoft.com/office/drawing/2010/main" xmlns="" w="9525">
+              <a14:hiddenLine xmlns="" xmlns:a14="http://schemas.microsoft.com/office/drawing/2010/main" w="9525">
                 <a:solidFill>
                   <a:srgbClr val="000000"/>
                 </a:solidFill>
@@ -3702,7 +3707,7 @@
           <a:ln/>
           <a:extLst>
             <a:ext uri="{91240B29-F687-4f45-9708-019B960494DF}">
-              <a14:hiddenLine xmlns:a14="http://schemas.microsoft.com/office/drawing/2010/main" xmlns="" w="9525">
+              <a14:hiddenLine xmlns="" xmlns:a14="http://schemas.microsoft.com/office/drawing/2010/main" w="9525">
                 <a:solidFill>
                   <a:srgbClr val="000000"/>
                 </a:solidFill>
@@ -4125,7 +4130,7 @@
           <a:ln/>
           <a:extLst>
             <a:ext uri="{91240B29-F687-4f45-9708-019B960494DF}">
-              <a14:hiddenLine xmlns:a14="http://schemas.microsoft.com/office/drawing/2010/main" xmlns="" w="9525">
+              <a14:hiddenLine xmlns="" xmlns:a14="http://schemas.microsoft.com/office/drawing/2010/main" w="9525">
                 <a:solidFill>
                   <a:srgbClr val="000000"/>
                 </a:solidFill>
@@ -6840,13 +6845,14 @@
               <a:t>mio </a:t>
             </a:r>
             <a:r>
-              <a:rPr lang="it-IT" dirty="0" err="1"/>
-              <a:t>housting</a:t>
-            </a:r>
-            <a:r>
               <a:rPr lang="it-IT" dirty="0"/>
+              <a:t>Hosting</a:t>
+            </a:r>
+            <a:r>
+              <a:rPr lang="it-IT" dirty="0" smtClean="0"/>
               <a:t> </a:t>
             </a:r>
+            <a:endParaRPr lang="it-IT" dirty="0"/>
           </a:p>
         </p:txBody>
       </p:sp>
